--- a/课程/第4章 自动追踪小车大白/第3节 教大白自动追踪/第3节-教学PPT.pptx
+++ b/课程/第4章 自动追踪小车大白/第3节 教大白自动追踪/第3节-教学PPT.pptx
@@ -3547,7 +3547,7 @@
           <a:p>
             <a:fld id="{F758C255-79C3-45A8-945E-2C61C3C6BAA9}" type="datetimeFigureOut">
               <a:rPr lang="zh-CN" altLang="en-US" smtClean="0"/>
-              <a:t>2019/11/25</a:t>
+              <a:t>2019/12/9</a:t>
             </a:fld>
             <a:endParaRPr lang="zh-CN" altLang="en-US"/>
           </a:p>
@@ -5436,7 +5436,7 @@
           <a:p>
             <a:fld id="{276664BA-FAEB-42F3-A8BE-09D6F18B1435}" type="datetimeFigureOut">
               <a:rPr lang="zh-CN" altLang="en-US" smtClean="0"/>
-              <a:t>2019/11/25</a:t>
+              <a:t>2019/12/9</a:t>
             </a:fld>
             <a:endParaRPr lang="zh-CN" altLang="en-US"/>
           </a:p>
@@ -6584,8 +6584,8 @@
         </p:nvSpPr>
         <p:spPr>
           <a:xfrm>
-            <a:off x="1180537" y="2021691"/>
-            <a:ext cx="9024219" cy="4194610"/>
+            <a:off x="1108759" y="1033150"/>
+            <a:ext cx="9024219" cy="5117940"/>
           </a:xfrm>
           <a:prstGeom prst="rect">
             <a:avLst/>
@@ -6597,12 +6597,10 @@
           </a:bodyPr>
           <a:lstStyle/>
           <a:p>
-            <a:pPr marL="285750" indent="-285750">
+            <a:pPr>
               <a:lnSpc>
                 <a:spcPct val="150000"/>
               </a:lnSpc>
-              <a:buFont typeface="Wingdings" panose="05000000000000000000" pitchFamily="2" charset="2"/>
-              <a:buChar char="n"/>
             </a:pPr>
             <a:r>
               <a:rPr lang="zh-CN" altLang="en-US" sz="2000" b="1" dirty="0">
@@ -6610,15 +6608,31 @@
                   <a:srgbClr val="EEAF34"/>
                 </a:solidFill>
               </a:rPr>
-              <a:t>寻找新的目标检测物照片作为一个新的样本库包括</a:t>
+              <a:t>将</a:t>
+            </a:r>
+            <a:r>
+              <a:rPr lang="en-US" altLang="zh-CN" sz="2000" b="1" dirty="0">
+                <a:solidFill>
+                  <a:srgbClr val="EEAF34"/>
+                </a:solidFill>
+              </a:rPr>
+              <a:t>cascade.xml</a:t>
             </a:r>
             <a:r>
               <a:rPr lang="zh-CN" altLang="en-US" sz="2000" b="1" dirty="0">
                 <a:solidFill>
-                  <a:srgbClr val="FF0000"/>
+                  <a:srgbClr val="EEAF34"/>
                 </a:solidFill>
               </a:rPr>
-              <a:t>正样本</a:t>
+              <a:t>通过</a:t>
+            </a:r>
+            <a:r>
+              <a:rPr lang="en-US" altLang="zh-CN" sz="2000" b="1" dirty="0">
+                <a:solidFill>
+                  <a:srgbClr val="EEAF34"/>
+                </a:solidFill>
+              </a:rPr>
+              <a:t>U</a:t>
             </a:r>
             <a:r>
               <a:rPr lang="zh-CN" altLang="en-US" sz="2000" b="1" dirty="0">
@@ -6626,21 +6640,100 @@
                   <a:srgbClr val="EEAF34"/>
                 </a:solidFill>
               </a:rPr>
-              <a:t>和</a:t>
-            </a:r>
-            <a:r>
-              <a:rPr lang="zh-CN" altLang="en-US" sz="2000" b="1" dirty="0">
-                <a:solidFill>
-                  <a:srgbClr val="FF0000"/>
-                </a:solidFill>
-              </a:rPr>
-              <a:t>负样本</a:t>
+              <a:t>盘拷贝到树莓派的此路径下</a:t>
             </a:r>
             <a:endParaRPr lang="en-US" altLang="zh-CN" sz="2000" b="1" dirty="0">
               <a:solidFill>
-                <a:srgbClr val="FF0000"/>
+                <a:srgbClr val="EEAF34"/>
               </a:solidFill>
             </a:endParaRPr>
+          </a:p>
+          <a:p>
+            <a:pPr>
+              <a:lnSpc>
+                <a:spcPct val="150000"/>
+              </a:lnSpc>
+            </a:pPr>
+            <a:endParaRPr lang="en-US" altLang="zh-CN" sz="2000" b="1" dirty="0">
+              <a:solidFill>
+                <a:srgbClr val="EEAF34"/>
+              </a:solidFill>
+            </a:endParaRPr>
+          </a:p>
+          <a:p>
+            <a:pPr>
+              <a:lnSpc>
+                <a:spcPct val="150000"/>
+              </a:lnSpc>
+            </a:pPr>
+            <a:endParaRPr lang="en-US" altLang="zh-CN" sz="2000" b="1" dirty="0">
+              <a:solidFill>
+                <a:srgbClr val="EEAF34"/>
+              </a:solidFill>
+            </a:endParaRPr>
+          </a:p>
+          <a:p>
+            <a:pPr>
+              <a:lnSpc>
+                <a:spcPct val="150000"/>
+              </a:lnSpc>
+            </a:pPr>
+            <a:endParaRPr lang="en-US" altLang="zh-CN" sz="2000" b="1" dirty="0">
+              <a:solidFill>
+                <a:srgbClr val="EEAF34"/>
+              </a:solidFill>
+            </a:endParaRPr>
+          </a:p>
+          <a:p>
+            <a:pPr>
+              <a:lnSpc>
+                <a:spcPct val="150000"/>
+              </a:lnSpc>
+            </a:pPr>
+            <a:endParaRPr lang="en-US" altLang="zh-CN" sz="2000" b="1" dirty="0">
+              <a:solidFill>
+                <a:srgbClr val="EEAF34"/>
+              </a:solidFill>
+            </a:endParaRPr>
+          </a:p>
+          <a:p>
+            <a:pPr>
+              <a:lnSpc>
+                <a:spcPct val="150000"/>
+              </a:lnSpc>
+            </a:pPr>
+            <a:endParaRPr lang="en-US" altLang="zh-CN" sz="2000" b="1" dirty="0">
+              <a:solidFill>
+                <a:srgbClr val="EEAF34"/>
+              </a:solidFill>
+            </a:endParaRPr>
+          </a:p>
+          <a:p>
+            <a:pPr>
+              <a:lnSpc>
+                <a:spcPct val="150000"/>
+              </a:lnSpc>
+            </a:pPr>
+            <a:endParaRPr lang="en-US" altLang="zh-CN" sz="2000" b="1" dirty="0">
+              <a:solidFill>
+                <a:srgbClr val="EEAF34"/>
+              </a:solidFill>
+            </a:endParaRPr>
+          </a:p>
+          <a:p>
+            <a:pPr>
+              <a:lnSpc>
+                <a:spcPct val="150000"/>
+              </a:lnSpc>
+            </a:pPr>
+            <a:r>
+              <a:rPr lang="zh-CN" altLang="en-US" sz="2000" b="1" dirty="0">
+                <a:solidFill>
+                  <a:srgbClr val="EEAF34"/>
+                </a:solidFill>
+              </a:rPr>
+              <a:t>打开终端，执行：</a:t>
+            </a:r>
           </a:p>
           <a:p>
             <a:pPr marL="285750" indent="-285750">
@@ -6651,12 +6744,20 @@
               <a:buChar char="n"/>
             </a:pPr>
             <a:r>
-              <a:rPr lang="zh-CN" altLang="en-US" sz="2000" b="1" dirty="0">
+              <a:rPr lang="en-US" altLang="zh-CN" sz="2000" b="1" dirty="0">
                 <a:solidFill>
                   <a:srgbClr val="EEAF34"/>
                 </a:solidFill>
               </a:rPr>
-              <a:t>在老师的带领下，执行训练命令</a:t>
+              <a:t>cd ~/Desktop/learn-ai/codes/chapter4/part3_AutoTrack/</a:t>
+            </a:r>
+            <a:r>
+              <a:rPr lang="en-US" altLang="zh-CN" sz="2000" b="1" dirty="0" err="1">
+                <a:solidFill>
+                  <a:srgbClr val="EEAF34"/>
+                </a:solidFill>
+              </a:rPr>
+              <a:t>AutoTrack</a:t>
             </a:r>
             <a:endParaRPr lang="en-US" altLang="zh-CN" sz="2000" b="1" dirty="0">
               <a:solidFill>
@@ -6673,20 +6774,35 @@
               <a:buChar char="n"/>
             </a:pPr>
             <a:r>
+              <a:rPr lang="en-US" altLang="zh-CN" sz="2000" b="1" dirty="0">
+                <a:solidFill>
+                  <a:srgbClr val="EEAF34"/>
+                </a:solidFill>
+              </a:rPr>
+              <a:t>python tracker_my_object.py</a:t>
+            </a:r>
+          </a:p>
+          <a:p>
+            <a:pPr>
+              <a:lnSpc>
+                <a:spcPct val="150000"/>
+              </a:lnSpc>
+            </a:pPr>
+            <a:r>
               <a:rPr lang="zh-CN" altLang="en-US" sz="2000" b="1" dirty="0">
                 <a:solidFill>
                   <a:srgbClr val="EEAF34"/>
                 </a:solidFill>
               </a:rPr>
-              <a:t>在训练完毕后，</a:t>
+              <a:t>将待识别</a:t>
             </a:r>
             <a:r>
-              <a:rPr lang="en-US" altLang="zh-CN" sz="2000" b="1" dirty="0">
+              <a:rPr lang="zh-CN" altLang="en-US" sz="2000" b="1">
                 <a:solidFill>
                   <a:srgbClr val="EEAF34"/>
                 </a:solidFill>
               </a:rPr>
-              <a:t>data</a:t>
+              <a:t>的物体在</a:t>
             </a:r>
             <a:r>
               <a:rPr lang="zh-CN" altLang="en-US" sz="2000" b="1" dirty="0">
@@ -6694,152 +6810,7 @@
                   <a:srgbClr val="EEAF34"/>
                 </a:solidFill>
               </a:rPr>
-              <a:t>文件夹中会产生一个名为</a:t>
-            </a:r>
-            <a:r>
-              <a:rPr lang="en-US" altLang="zh-CN" sz="2000" b="1" dirty="0">
-                <a:solidFill>
-                  <a:srgbClr val="EEAF34"/>
-                </a:solidFill>
-              </a:rPr>
-              <a:t>cascade.xml</a:t>
-            </a:r>
-            <a:r>
-              <a:rPr lang="zh-CN" altLang="en-US" sz="2000" b="1" dirty="0">
-                <a:solidFill>
-                  <a:srgbClr val="EEAF34"/>
-                </a:solidFill>
-              </a:rPr>
-              <a:t>的文件。将其重命名为</a:t>
-            </a:r>
-            <a:r>
-              <a:rPr lang="en-US" altLang="zh-CN" sz="2000" b="1" dirty="0">
-                <a:solidFill>
-                  <a:srgbClr val="EEAF34"/>
-                </a:solidFill>
-              </a:rPr>
-              <a:t>object.xml</a:t>
-            </a:r>
-            <a:r>
-              <a:rPr lang="zh-CN" altLang="en-US" sz="2000" b="1" dirty="0">
-                <a:solidFill>
-                  <a:srgbClr val="EEAF34"/>
-                </a:solidFill>
-              </a:rPr>
-              <a:t>。</a:t>
-            </a:r>
-            <a:endParaRPr lang="en-US" altLang="zh-CN" sz="2000" b="1" dirty="0">
-              <a:solidFill>
-                <a:srgbClr val="EEAF34"/>
-              </a:solidFill>
-            </a:endParaRPr>
-          </a:p>
-          <a:p>
-            <a:pPr marL="285750" indent="-285750">
-              <a:lnSpc>
-                <a:spcPct val="150000"/>
-              </a:lnSpc>
-              <a:buFont typeface="Wingdings" panose="05000000000000000000" pitchFamily="2" charset="2"/>
-              <a:buChar char="n"/>
-            </a:pPr>
-            <a:r>
-              <a:rPr lang="zh-CN" altLang="en-US" sz="2000" b="1" dirty="0">
-                <a:solidFill>
-                  <a:srgbClr val="EEAF34"/>
-                </a:solidFill>
-              </a:rPr>
-              <a:t>打开终端，执行：</a:t>
-            </a:r>
-            <a:r>
-              <a:rPr lang="en-US" altLang="zh-CN" sz="2000" b="1" dirty="0">
-                <a:solidFill>
-                  <a:srgbClr val="EEAF34"/>
-                </a:solidFill>
-              </a:rPr>
-              <a:t>python test.py</a:t>
-            </a:r>
-          </a:p>
-          <a:p>
-            <a:pPr marL="285750" indent="-285750">
-              <a:lnSpc>
-                <a:spcPct val="150000"/>
-              </a:lnSpc>
-              <a:buFont typeface="Wingdings" panose="05000000000000000000" pitchFamily="2" charset="2"/>
-              <a:buChar char="n"/>
-            </a:pPr>
-            <a:r>
-              <a:rPr lang="zh-CN" altLang="en-US" sz="2000" b="1" dirty="0">
-                <a:solidFill>
-                  <a:srgbClr val="EEAF34"/>
-                </a:solidFill>
-              </a:rPr>
-              <a:t>打开终端，执行：</a:t>
-            </a:r>
-            <a:r>
-              <a:rPr lang="en-US" altLang="zh-CN" sz="2000" b="1" dirty="0">
-                <a:solidFill>
-                  <a:srgbClr val="EEAF34"/>
-                </a:solidFill>
-              </a:rPr>
-              <a:t>cp ~/learn-ai/codes/chapter4/tracker/tracker_object.py ~/Desktop/</a:t>
-            </a:r>
-            <a:r>
-              <a:rPr lang="en-US" altLang="zh-CN" sz="2000" b="1" dirty="0" err="1">
-                <a:solidFill>
-                  <a:srgbClr val="EEAF34"/>
-                </a:solidFill>
-              </a:rPr>
-              <a:t>myclassifier</a:t>
-            </a:r>
-            <a:r>
-              <a:rPr lang="en-US" altLang="zh-CN" sz="2000" b="1" dirty="0">
-                <a:solidFill>
-                  <a:srgbClr val="EEAF34"/>
-                </a:solidFill>
-              </a:rPr>
-              <a:t>/</a:t>
-            </a:r>
-          </a:p>
-          <a:p>
-            <a:pPr marL="285750" indent="-285750">
-              <a:lnSpc>
-                <a:spcPct val="150000"/>
-              </a:lnSpc>
-              <a:buFont typeface="Wingdings" panose="05000000000000000000" pitchFamily="2" charset="2"/>
-              <a:buChar char="n"/>
-            </a:pPr>
-            <a:r>
-              <a:rPr lang="zh-CN" altLang="en-US" sz="2000" b="1" dirty="0">
-                <a:solidFill>
-                  <a:srgbClr val="EEAF34"/>
-                </a:solidFill>
-              </a:rPr>
-              <a:t>执行： </a:t>
-            </a:r>
-            <a:r>
-              <a:rPr lang="en-US" altLang="zh-CN" sz="2000" b="1" dirty="0">
-                <a:solidFill>
-                  <a:srgbClr val="EEAF34"/>
-                </a:solidFill>
-              </a:rPr>
-              <a:t>python tracker_object.py</a:t>
-            </a:r>
-          </a:p>
-          <a:p>
-            <a:pPr marL="285750" indent="-285750">
-              <a:lnSpc>
-                <a:spcPct val="150000"/>
-              </a:lnSpc>
-              <a:buFont typeface="Wingdings" panose="05000000000000000000" pitchFamily="2" charset="2"/>
-              <a:buChar char="n"/>
-            </a:pPr>
-            <a:r>
-              <a:rPr lang="zh-CN" altLang="en-US" sz="2000" b="1" dirty="0">
-                <a:solidFill>
-                  <a:srgbClr val="EEAF34"/>
-                </a:solidFill>
-              </a:rPr>
-              <a:t>将待识别的物体（人脸或猫）在车前移动，观察车的追踪行为</a:t>
+              <a:t>车前移动，观察车的追踪行为</a:t>
             </a:r>
             <a:endParaRPr lang="en-US" altLang="zh-CN" sz="2000" b="1" dirty="0">
               <a:solidFill>
@@ -6849,6 +6820,42 @@
           </a:p>
         </p:txBody>
       </p:sp>
+      <p:pic>
+        <p:nvPicPr>
+          <p:cNvPr id="5" name="图片 4">
+            <a:extLst>
+              <a:ext uri="{FF2B5EF4-FFF2-40B4-BE49-F238E27FC236}">
+                <a16:creationId xmlns:a16="http://schemas.microsoft.com/office/drawing/2014/main" id="{7AE8D2DE-7D8A-4EBF-92BB-B07127F77658}"/>
+              </a:ext>
+            </a:extLst>
+          </p:cNvPr>
+          <p:cNvPicPr>
+            <a:picLocks noChangeAspect="1"/>
+          </p:cNvPicPr>
+          <p:nvPr/>
+        </p:nvPicPr>
+        <p:blipFill>
+          <a:blip r:embed="rId3">
+            <a:extLst>
+              <a:ext uri="{28A0092B-C50C-407E-A947-70E740481C1C}">
+                <a14:useLocalDpi xmlns:a14="http://schemas.microsoft.com/office/drawing/2010/main" val="0"/>
+              </a:ext>
+            </a:extLst>
+          </a:blip>
+          <a:stretch>
+            <a:fillRect/>
+          </a:stretch>
+        </p:blipFill>
+        <p:spPr>
+          <a:xfrm>
+            <a:off x="2175304" y="1596467"/>
+            <a:ext cx="4991100" cy="2676525"/>
+          </a:xfrm>
+          <a:prstGeom prst="rect">
+            <a:avLst/>
+          </a:prstGeom>
+        </p:spPr>
+      </p:pic>
     </p:spTree>
     <p:extLst>
       <p:ext uri="{BB962C8B-B14F-4D97-AF65-F5344CB8AC3E}">
